--- a/화면 구현_css선택자를 활용한 BootStrap 활용하기.pptx
+++ b/화면 구현_css선택자를 활용한 BootStrap 활용하기.pptx
@@ -242,7 +242,7 @@
           <a:p>
             <a:fld id="{3DE4AE6D-9178-49FF-BDDC-39F971B4C583}" type="datetimeFigureOut">
               <a:rPr lang="ko-KR" altLang="en-US" smtClean="0"/>
-              <a:t>2021-09-28</a:t>
+              <a:t>2021-10-20</a:t>
             </a:fld>
             <a:endParaRPr lang="ko-KR" altLang="en-US"/>
           </a:p>
@@ -419,7 +419,7 @@
           <a:p>
             <a:fld id="{9A5E5AF2-440E-403F-A94F-915C1D2050B2}" type="datetimeFigureOut">
               <a:rPr lang="ko-KR" altLang="en-US" smtClean="0"/>
-              <a:t>2021-09-28</a:t>
+              <a:t>2021-10-20</a:t>
             </a:fld>
             <a:endParaRPr lang="ko-KR" altLang="en-US"/>
           </a:p>
@@ -880,7 +880,7 @@
           <a:p>
             <a:fld id="{36FDB5DE-AD6D-4FA1-9BD6-1FCA0D10370A}" type="datetimeFigureOut">
               <a:rPr lang="ko-KR" altLang="en-US" smtClean="0"/>
-              <a:t>2021-09-28</a:t>
+              <a:t>2021-10-20</a:t>
             </a:fld>
             <a:endParaRPr lang="ko-KR" altLang="en-US"/>
           </a:p>
@@ -1045,7 +1045,7 @@
           <a:p>
             <a:fld id="{36FDB5DE-AD6D-4FA1-9BD6-1FCA0D10370A}" type="datetimeFigureOut">
               <a:rPr lang="ko-KR" altLang="en-US" smtClean="0"/>
-              <a:t>2021-09-28</a:t>
+              <a:t>2021-10-20</a:t>
             </a:fld>
             <a:endParaRPr lang="ko-KR" altLang="en-US"/>
           </a:p>
@@ -1220,7 +1220,7 @@
           <a:p>
             <a:fld id="{36FDB5DE-AD6D-4FA1-9BD6-1FCA0D10370A}" type="datetimeFigureOut">
               <a:rPr lang="ko-KR" altLang="en-US" smtClean="0"/>
-              <a:t>2021-09-28</a:t>
+              <a:t>2021-10-20</a:t>
             </a:fld>
             <a:endParaRPr lang="ko-KR" altLang="en-US"/>
           </a:p>
@@ -1385,7 +1385,7 @@
           <a:p>
             <a:fld id="{36FDB5DE-AD6D-4FA1-9BD6-1FCA0D10370A}" type="datetimeFigureOut">
               <a:rPr lang="ko-KR" altLang="en-US" smtClean="0"/>
-              <a:t>2021-09-28</a:t>
+              <a:t>2021-10-20</a:t>
             </a:fld>
             <a:endParaRPr lang="ko-KR" altLang="en-US"/>
           </a:p>
@@ -1626,7 +1626,7 @@
           <a:p>
             <a:fld id="{36FDB5DE-AD6D-4FA1-9BD6-1FCA0D10370A}" type="datetimeFigureOut">
               <a:rPr lang="ko-KR" altLang="en-US" smtClean="0"/>
-              <a:t>2021-09-28</a:t>
+              <a:t>2021-10-20</a:t>
             </a:fld>
             <a:endParaRPr lang="ko-KR" altLang="en-US"/>
           </a:p>
@@ -1909,7 +1909,7 @@
           <a:p>
             <a:fld id="{36FDB5DE-AD6D-4FA1-9BD6-1FCA0D10370A}" type="datetimeFigureOut">
               <a:rPr lang="ko-KR" altLang="en-US" smtClean="0"/>
-              <a:t>2021-09-28</a:t>
+              <a:t>2021-10-20</a:t>
             </a:fld>
             <a:endParaRPr lang="ko-KR" altLang="en-US"/>
           </a:p>
@@ -2338,7 +2338,7 @@
           <a:p>
             <a:fld id="{36FDB5DE-AD6D-4FA1-9BD6-1FCA0D10370A}" type="datetimeFigureOut">
               <a:rPr lang="ko-KR" altLang="en-US" smtClean="0"/>
-              <a:t>2021-09-28</a:t>
+              <a:t>2021-10-20</a:t>
             </a:fld>
             <a:endParaRPr lang="ko-KR" altLang="en-US"/>
           </a:p>
@@ -2451,7 +2451,7 @@
           <a:p>
             <a:fld id="{36FDB5DE-AD6D-4FA1-9BD6-1FCA0D10370A}" type="datetimeFigureOut">
               <a:rPr lang="ko-KR" altLang="en-US" smtClean="0"/>
-              <a:t>2021-09-28</a:t>
+              <a:t>2021-10-20</a:t>
             </a:fld>
             <a:endParaRPr lang="ko-KR" altLang="en-US"/>
           </a:p>
@@ -2541,7 +2541,7 @@
           <a:p>
             <a:fld id="{36FDB5DE-AD6D-4FA1-9BD6-1FCA0D10370A}" type="datetimeFigureOut">
               <a:rPr lang="ko-KR" altLang="en-US" smtClean="0"/>
-              <a:t>2021-09-28</a:t>
+              <a:t>2021-10-20</a:t>
             </a:fld>
             <a:endParaRPr lang="ko-KR" altLang="en-US"/>
           </a:p>
@@ -2730,7 +2730,7 @@
           <a:p>
             <a:fld id="{36FDB5DE-AD6D-4FA1-9BD6-1FCA0D10370A}" type="datetimeFigureOut">
               <a:rPr lang="ko-KR" altLang="en-US" smtClean="0"/>
-              <a:t>2021-09-28</a:t>
+              <a:t>2021-10-20</a:t>
             </a:fld>
             <a:endParaRPr lang="ko-KR" altLang="en-US"/>
           </a:p>
@@ -3048,7 +3048,7 @@
           <a:p>
             <a:fld id="{36FDB5DE-AD6D-4FA1-9BD6-1FCA0D10370A}" type="datetimeFigureOut">
               <a:rPr lang="ko-KR" altLang="en-US" smtClean="0"/>
-              <a:t>2021-09-28</a:t>
+              <a:t>2021-10-20</a:t>
             </a:fld>
             <a:endParaRPr lang="ko-KR" altLang="en-US"/>
           </a:p>
@@ -3427,7 +3427,7 @@
           <a:p>
             <a:fld id="{36FDB5DE-AD6D-4FA1-9BD6-1FCA0D10370A}" type="datetimeFigureOut">
               <a:rPr lang="ko-KR" altLang="en-US" smtClean="0"/>
-              <a:t>2021-09-28</a:t>
+              <a:t>2021-10-20</a:t>
             </a:fld>
             <a:endParaRPr lang="ko-KR" altLang="en-US"/>
           </a:p>
@@ -3840,6 +3840,13 @@
   <p:clrMapOvr>
     <a:masterClrMapping/>
   </p:clrMapOvr>
+  <p:timing>
+    <p:tnLst>
+      <p:par>
+        <p:cTn id="1" dur="indefinite" restart="never" nodeType="tmRoot"/>
+      </p:par>
+    </p:tnLst>
+  </p:timing>
 </p:sld>
 </file>
 
@@ -4952,6 +4959,13 @@
   <p:clrMapOvr>
     <a:masterClrMapping/>
   </p:clrMapOvr>
+  <p:timing>
+    <p:tnLst>
+      <p:par>
+        <p:cTn id="1" dur="indefinite" restart="never" nodeType="tmRoot"/>
+      </p:par>
+    </p:tnLst>
+  </p:timing>
 </p:sld>
 </file>
 
@@ -5459,6 +5473,13 @@
   <p:clrMapOvr>
     <a:masterClrMapping/>
   </p:clrMapOvr>
+  <p:timing>
+    <p:tnLst>
+      <p:par>
+        <p:cTn id="1" dur="indefinite" restart="never" nodeType="tmRoot"/>
+      </p:par>
+    </p:tnLst>
+  </p:timing>
 </p:sld>
 </file>
 
@@ -6535,13 +6556,7 @@
               <a:rPr lang="en-US" altLang="ko-KR" smtClean="0">
                 <a:hlinkClick r:id="rId3"/>
               </a:rPr>
-              <a:t>www.codeply.com</a:t>
-            </a:r>
-            <a:r>
-              <a:rPr lang="en-US" altLang="ko-KR" smtClean="0">
-                <a:hlinkClick r:id="rId3"/>
-              </a:rPr>
-              <a:t>/</a:t>
+              <a:t>www.codeply.com/</a:t>
             </a:r>
             <a:endParaRPr lang="en-US" altLang="ko-KR" dirty="0" smtClean="0"/>
           </a:p>
@@ -7509,6 +7524,13 @@
   <p:clrMapOvr>
     <a:masterClrMapping/>
   </p:clrMapOvr>
+  <p:timing>
+    <p:tnLst>
+      <p:par>
+        <p:cTn id="1" dur="indefinite" restart="never" nodeType="tmRoot"/>
+      </p:par>
+    </p:tnLst>
+  </p:timing>
 </p:sld>
 </file>
 
@@ -7716,6 +7738,13 @@
   <p:clrMapOvr>
     <a:masterClrMapping/>
   </p:clrMapOvr>
+  <p:timing>
+    <p:tnLst>
+      <p:par>
+        <p:cTn id="1" dur="indefinite" restart="never" nodeType="tmRoot"/>
+      </p:par>
+    </p:tnLst>
+  </p:timing>
 </p:sld>
 </file>
 
@@ -7951,6 +7980,13 @@
   <p:clrMapOvr>
     <a:masterClrMapping/>
   </p:clrMapOvr>
+  <p:timing>
+    <p:tnLst>
+      <p:par>
+        <p:cTn id="1" dur="indefinite" restart="never" nodeType="tmRoot"/>
+      </p:par>
+    </p:tnLst>
+  </p:timing>
 </p:sld>
 </file>
 
@@ -8253,6 +8289,13 @@
   <p:clrMapOvr>
     <a:masterClrMapping/>
   </p:clrMapOvr>
+  <p:timing>
+    <p:tnLst>
+      <p:par>
+        <p:cTn id="1" dur="indefinite" restart="never" nodeType="tmRoot"/>
+      </p:par>
+    </p:tnLst>
+  </p:timing>
 </p:sld>
 </file>
 
